--- a/001_JavaScript/004_lesson/Presentation/Context_this.pptx
+++ b/001_JavaScript/004_lesson/Presentation/Context_this.pptx
@@ -618,7 +618,7 @@
     </p:spTree>
     <p:extLst>
       <p:ext uri="{BB962C8B-B14F-4D97-AF65-F5344CB8AC3E}">
-        <p14:creationId xmlns="" xmlns:p14="http://schemas.microsoft.com/office/powerpoint/2010/main" val="3537187278"/>
+        <p14:creationId xmlns:p14="http://schemas.microsoft.com/office/powerpoint/2010/main" xmlns="" val="3537187278"/>
       </p:ext>
     </p:extLst>
   </p:cSld>
@@ -664,7 +664,7 @@
           <a:blip r:embed="rId2" cstate="print">
             <a:extLst>
               <a:ext uri="{28A0092B-C50C-407E-A947-70E740481C1C}">
-                <a14:useLocalDpi xmlns="" xmlns:a14="http://schemas.microsoft.com/office/drawing/2010/main" val="0"/>
+                <a14:useLocalDpi xmlns:a14="http://schemas.microsoft.com/office/drawing/2010/main" xmlns="" val="0"/>
               </a:ext>
             </a:extLst>
           </a:blip>
@@ -688,14 +688,14 @@
           <a:effectLst/>
           <a:extLst>
             <a:ext uri="{909E8E84-426E-40DD-AFC4-6F175D3DCCD1}">
-              <a14:hiddenFill xmlns="" xmlns:a14="http://schemas.microsoft.com/office/drawing/2010/main">
+              <a14:hiddenFill xmlns:a14="http://schemas.microsoft.com/office/drawing/2010/main" xmlns="">
                 <a:solidFill>
                   <a:schemeClr val="accent1"/>
                 </a:solidFill>
               </a14:hiddenFill>
             </a:ext>
             <a:ext uri="{91240B29-F687-4F45-9708-019B960494DF}">
-              <a14:hiddenLine xmlns="" xmlns:a14="http://schemas.microsoft.com/office/drawing/2010/main" w="9525">
+              <a14:hiddenLine xmlns:a14="http://schemas.microsoft.com/office/drawing/2010/main" xmlns="" w="9525">
                 <a:solidFill>
                   <a:schemeClr val="tx1"/>
                 </a:solidFill>
@@ -705,7 +705,7 @@
               </a14:hiddenLine>
             </a:ext>
             <a:ext uri="{AF507438-7753-43E0-B8FC-AC1667EBCBE1}">
-              <a14:hiddenEffects xmlns="" xmlns:a14="http://schemas.microsoft.com/office/drawing/2010/main">
+              <a14:hiddenEffects xmlns:a14="http://schemas.microsoft.com/office/drawing/2010/main" xmlns="">
                 <a:effectLst>
                   <a:outerShdw dist="35921" dir="2700000" algn="ctr" rotWithShape="0">
                     <a:schemeClr val="bg2"/>
@@ -846,7 +846,7 @@
     </p:spTree>
     <p:extLst>
       <p:ext uri="{BB962C8B-B14F-4D97-AF65-F5344CB8AC3E}">
-        <p14:creationId xmlns="" xmlns:p14="http://schemas.microsoft.com/office/powerpoint/2010/main" val="2097366919"/>
+        <p14:creationId xmlns:p14="http://schemas.microsoft.com/office/powerpoint/2010/main" xmlns="" val="2097366919"/>
       </p:ext>
     </p:extLst>
   </p:cSld>
@@ -1370,7 +1370,7 @@
     </p:spTree>
     <p:extLst>
       <p:ext uri="{BB962C8B-B14F-4D97-AF65-F5344CB8AC3E}">
-        <p14:creationId xmlns="" xmlns:p14="http://schemas.microsoft.com/office/powerpoint/2010/main" val="3537187278"/>
+        <p14:creationId xmlns:p14="http://schemas.microsoft.com/office/powerpoint/2010/main" xmlns="" val="3537187278"/>
       </p:ext>
     </p:extLst>
   </p:cSld>
@@ -1416,7 +1416,7 @@
           <a:blip r:embed="rId2" cstate="print">
             <a:extLst>
               <a:ext uri="{28A0092B-C50C-407E-A947-70E740481C1C}">
-                <a14:useLocalDpi xmlns="" xmlns:a14="http://schemas.microsoft.com/office/drawing/2010/main" val="0"/>
+                <a14:useLocalDpi xmlns:a14="http://schemas.microsoft.com/office/drawing/2010/main" xmlns="" val="0"/>
               </a:ext>
             </a:extLst>
           </a:blip>
@@ -1440,14 +1440,14 @@
           <a:effectLst/>
           <a:extLst>
             <a:ext uri="{909E8E84-426E-40DD-AFC4-6F175D3DCCD1}">
-              <a14:hiddenFill xmlns="" xmlns:a14="http://schemas.microsoft.com/office/drawing/2010/main">
+              <a14:hiddenFill xmlns:a14="http://schemas.microsoft.com/office/drawing/2010/main" xmlns="">
                 <a:solidFill>
                   <a:schemeClr val="accent1"/>
                 </a:solidFill>
               </a14:hiddenFill>
             </a:ext>
             <a:ext uri="{91240B29-F687-4F45-9708-019B960494DF}">
-              <a14:hiddenLine xmlns="" xmlns:a14="http://schemas.microsoft.com/office/drawing/2010/main" w="9525">
+              <a14:hiddenLine xmlns:a14="http://schemas.microsoft.com/office/drawing/2010/main" xmlns="" w="9525">
                 <a:solidFill>
                   <a:schemeClr val="tx1"/>
                 </a:solidFill>
@@ -1457,7 +1457,7 @@
               </a14:hiddenLine>
             </a:ext>
             <a:ext uri="{AF507438-7753-43E0-B8FC-AC1667EBCBE1}">
-              <a14:hiddenEffects xmlns="" xmlns:a14="http://schemas.microsoft.com/office/drawing/2010/main">
+              <a14:hiddenEffects xmlns:a14="http://schemas.microsoft.com/office/drawing/2010/main" xmlns="">
                 <a:effectLst>
                   <a:outerShdw dist="35921" dir="2700000" algn="ctr" rotWithShape="0">
                     <a:schemeClr val="bg2"/>
@@ -1598,7 +1598,7 @@
     </p:spTree>
     <p:extLst>
       <p:ext uri="{BB962C8B-B14F-4D97-AF65-F5344CB8AC3E}">
-        <p14:creationId xmlns="" xmlns:p14="http://schemas.microsoft.com/office/powerpoint/2010/main" val="2097366919"/>
+        <p14:creationId xmlns:p14="http://schemas.microsoft.com/office/powerpoint/2010/main" xmlns="" val="2097366919"/>
       </p:ext>
     </p:extLst>
   </p:cSld>
@@ -1673,7 +1673,7 @@
     </p:spTree>
     <p:extLst>
       <p:ext uri="{BB962C8B-B14F-4D97-AF65-F5344CB8AC3E}">
-        <p14:creationId xmlns="" xmlns:p14="http://schemas.microsoft.com/office/powerpoint/2010/main" val="779007194"/>
+        <p14:creationId xmlns:p14="http://schemas.microsoft.com/office/powerpoint/2010/main" xmlns="" val="779007194"/>
       </p:ext>
     </p:extLst>
   </p:cSld>
@@ -2005,7 +2005,9 @@
           <a:lstStyle/>
           <a:p>
             <a:pPr algn="ctr"/>
-            <a:endParaRPr lang="en-US" dirty="0"/>
+            <a:endParaRPr lang="en-US" dirty="0">
+              <a:latin typeface="Calibri" pitchFamily="34" charset="0"/>
+            </a:endParaRPr>
           </a:p>
         </p:txBody>
       </p:sp>
@@ -2036,7 +2038,7 @@
                 <a:solidFill>
                   <a:schemeClr val="bg1"/>
                 </a:solidFill>
-                <a:latin typeface="Roboto Thin" panose="02000000000000000000" pitchFamily="2" charset="0"/>
+                <a:latin typeface="Calibri" pitchFamily="34" charset="0"/>
                 <a:ea typeface="Roboto Thin" panose="02000000000000000000" pitchFamily="2" charset="0"/>
                 <a:cs typeface="Roboto Thin" panose="02000000000000000000" pitchFamily="2" charset="0"/>
               </a:rPr>
@@ -2046,7 +2048,7 @@
               <a:solidFill>
                 <a:srgbClr val="7564BC"/>
               </a:solidFill>
-              <a:latin typeface="Roboto Thin" panose="02000000000000000000" pitchFamily="2" charset="0"/>
+              <a:latin typeface="Calibri" pitchFamily="34" charset="0"/>
               <a:ea typeface="Roboto Thin" panose="02000000000000000000" pitchFamily="2" charset="0"/>
               <a:cs typeface="Roboto Thin" panose="02000000000000000000" pitchFamily="2" charset="0"/>
             </a:endParaRPr>
@@ -2238,7 +2240,7 @@
                     <a:lumOff val="10000"/>
                   </a:schemeClr>
                 </a:solidFill>
-                <a:latin typeface="Roboto Light" panose="02000000000000000000" pitchFamily="2" charset="0"/>
+                <a:latin typeface="Calibri" pitchFamily="34" charset="0"/>
                 <a:ea typeface="Roboto Light" panose="02000000000000000000" pitchFamily="2" charset="0"/>
                 <a:cs typeface="Roboto Light" panose="02000000000000000000" pitchFamily="2" charset="0"/>
               </a:rPr>
@@ -2251,7 +2253,7 @@
                   <a:lumOff val="10000"/>
                 </a:schemeClr>
               </a:solidFill>
-              <a:latin typeface="Roboto Light" panose="02000000000000000000" pitchFamily="2" charset="0"/>
+              <a:latin typeface="Calibri" pitchFamily="34" charset="0"/>
               <a:ea typeface="Roboto Light" panose="02000000000000000000" pitchFamily="2" charset="0"/>
               <a:cs typeface="Roboto Light" panose="02000000000000000000" pitchFamily="2" charset="0"/>
             </a:endParaRPr>
@@ -2270,7 +2272,7 @@
           <a:blip r:embed="rId2" cstate="print">
             <a:extLst>
               <a:ext uri="{28A0092B-C50C-407E-A947-70E740481C1C}">
-                <a14:useLocalDpi xmlns="" xmlns:a14="http://schemas.microsoft.com/office/drawing/2010/main" val="0"/>
+                <a14:useLocalDpi xmlns:a14="http://schemas.microsoft.com/office/drawing/2010/main" xmlns="" val="0"/>
               </a:ext>
             </a:extLst>
           </a:blip>
@@ -2290,7 +2292,7 @@
           <a:noFill/>
           <a:extLst>
             <a:ext uri="{909E8E84-426E-40DD-AFC4-6F175D3DCCD1}">
-              <a14:hiddenFill xmlns="" xmlns:a14="http://schemas.microsoft.com/office/drawing/2010/main">
+              <a14:hiddenFill xmlns:a14="http://schemas.microsoft.com/office/drawing/2010/main" xmlns="">
                 <a:solidFill>
                   <a:srgbClr val="FFFFFF"/>
                 </a:solidFill>
@@ -2326,20 +2328,22 @@
                 <a:solidFill>
                   <a:srgbClr val="7564BC"/>
                 </a:solidFill>
-                <a:latin typeface="Roboto Black" panose="02000000000000000000" pitchFamily="2" charset="0"/>
+                <a:latin typeface="Calibri" pitchFamily="34" charset="0"/>
                 <a:ea typeface="Roboto Black" panose="02000000000000000000" pitchFamily="2" charset="0"/>
                 <a:cs typeface="Roboto Black" panose="02000000000000000000" pitchFamily="2" charset="0"/>
               </a:rPr>
               <a:t>Контекст вызова.</a:t>
             </a:r>
-            <a:endParaRPr lang="en-US" dirty="0"/>
+            <a:endParaRPr lang="en-US" dirty="0">
+              <a:latin typeface="Calibri" pitchFamily="34" charset="0"/>
+            </a:endParaRPr>
           </a:p>
         </p:txBody>
       </p:sp>
     </p:spTree>
     <p:extLst>
       <p:ext uri="{BB962C8B-B14F-4D97-AF65-F5344CB8AC3E}">
-        <p14:creationId xmlns="" xmlns:p14="http://schemas.microsoft.com/office/powerpoint/2010/main" val="3436223543"/>
+        <p14:creationId xmlns:p14="http://schemas.microsoft.com/office/powerpoint/2010/main" xmlns="" val="3436223543"/>
       </p:ext>
     </p:extLst>
   </p:cSld>
@@ -2395,22 +2399,32 @@
           <a:lstStyle/>
           <a:p>
             <a:r>
-              <a:rPr lang="en-US" sz="2800" b="1" dirty="0" err="1" smtClean="0"/>
+              <a:rPr lang="en-US" sz="2800" b="1" dirty="0" err="1" smtClean="0">
+                <a:latin typeface="Calibri" pitchFamily="34" charset="0"/>
+              </a:rPr>
               <a:t>Явное</a:t>
             </a:r>
             <a:r>
-              <a:rPr lang="en-US" sz="2800" b="1" dirty="0" smtClean="0"/>
+              <a:rPr lang="en-US" sz="2800" b="1" dirty="0" smtClean="0">
+                <a:latin typeface="Calibri" pitchFamily="34" charset="0"/>
+              </a:rPr>
               <a:t> </a:t>
             </a:r>
             <a:r>
-              <a:rPr lang="en-US" sz="2800" b="1" dirty="0" err="1" smtClean="0"/>
+              <a:rPr lang="en-US" sz="2800" dirty="0" err="1" smtClean="0">
+                <a:latin typeface="Calibri" pitchFamily="34" charset="0"/>
+              </a:rPr>
               <a:t>указание</a:t>
             </a:r>
             <a:r>
-              <a:rPr lang="en-US" sz="2800" b="1" dirty="0" smtClean="0"/>
+              <a:rPr lang="en-US" sz="2800" b="1" dirty="0" smtClean="0">
+                <a:latin typeface="Calibri" pitchFamily="34" charset="0"/>
+              </a:rPr>
               <a:t> this: "call", "apply"</a:t>
             </a:r>
-            <a:endParaRPr lang="en-US" sz="2800" b="1" dirty="0"/>
+            <a:endParaRPr lang="en-US" sz="2800" b="1" dirty="0">
+              <a:latin typeface="Calibri" pitchFamily="34" charset="0"/>
+            </a:endParaRPr>
           </a:p>
         </p:txBody>
       </p:sp>
@@ -2453,7 +2467,9 @@
           <a:lstStyle/>
           <a:p>
             <a:pPr algn="ctr"/>
-            <a:endParaRPr lang="en-US"/>
+            <a:endParaRPr lang="en-US">
+              <a:latin typeface="Calibri" pitchFamily="34" charset="0"/>
+            </a:endParaRPr>
           </a:p>
         </p:txBody>
       </p:sp>
@@ -2496,7 +2512,9 @@
           <a:lstStyle/>
           <a:p>
             <a:pPr algn="ctr"/>
-            <a:endParaRPr lang="en-US"/>
+            <a:endParaRPr lang="en-US">
+              <a:latin typeface="Calibri" pitchFamily="34" charset="0"/>
+            </a:endParaRPr>
           </a:p>
         </p:txBody>
       </p:sp>
@@ -2523,18 +2541,26 @@
           <a:lstStyle/>
           <a:p>
             <a:r>
-              <a:rPr lang="en-US" b="1" dirty="0" smtClean="0"/>
+              <a:rPr lang="en-US" b="1" dirty="0" smtClean="0">
+                <a:latin typeface="Calibri" pitchFamily="34" charset="0"/>
+              </a:rPr>
               <a:t>               </a:t>
             </a:r>
             <a:r>
-              <a:rPr lang="ru-RU" b="1" dirty="0" smtClean="0"/>
+              <a:rPr lang="ru-RU" b="1" dirty="0" smtClean="0">
+                <a:latin typeface="Calibri" pitchFamily="34" charset="0"/>
+              </a:rPr>
               <a:t>Метод </a:t>
             </a:r>
             <a:r>
-              <a:rPr lang="en-US" b="1" dirty="0" smtClean="0"/>
+              <a:rPr lang="en-US" b="1" dirty="0" smtClean="0">
+                <a:latin typeface="Calibri" pitchFamily="34" charset="0"/>
+              </a:rPr>
               <a:t>call</a:t>
             </a:r>
-            <a:endParaRPr lang="en-US" b="1" dirty="0"/>
+            <a:endParaRPr lang="en-US" b="1" dirty="0">
+              <a:latin typeface="Calibri" pitchFamily="34" charset="0"/>
+            </a:endParaRPr>
           </a:p>
         </p:txBody>
       </p:sp>
@@ -2561,18 +2587,26 @@
           <a:lstStyle/>
           <a:p>
             <a:r>
-              <a:rPr lang="en-US" b="1" dirty="0" smtClean="0"/>
+              <a:rPr lang="en-US" b="1" dirty="0" smtClean="0">
+                <a:latin typeface="Calibri" pitchFamily="34" charset="0"/>
+              </a:rPr>
               <a:t>	</a:t>
             </a:r>
             <a:r>
-              <a:rPr lang="ru-RU" b="1" dirty="0" smtClean="0"/>
+              <a:rPr lang="ru-RU" b="1" dirty="0" smtClean="0">
+                <a:latin typeface="Calibri" pitchFamily="34" charset="0"/>
+              </a:rPr>
               <a:t>Метод </a:t>
             </a:r>
             <a:r>
-              <a:rPr lang="en-US" b="1" dirty="0" smtClean="0"/>
+              <a:rPr lang="en-US" b="1" dirty="0" smtClean="0">
+                <a:latin typeface="Calibri" pitchFamily="34" charset="0"/>
+              </a:rPr>
               <a:t>apply</a:t>
             </a:r>
-            <a:endParaRPr lang="en-US" b="1" dirty="0"/>
+            <a:endParaRPr lang="en-US" b="1" dirty="0">
+              <a:latin typeface="Calibri" pitchFamily="34" charset="0"/>
+            </a:endParaRPr>
           </a:p>
         </p:txBody>
       </p:sp>
@@ -2612,7 +2646,9 @@
           <a:lstStyle/>
           <a:p>
             <a:r>
-              <a:rPr lang="en-US" dirty="0" err="1" smtClean="0"/>
+              <a:rPr lang="en-US" dirty="0" err="1" smtClean="0">
+                <a:latin typeface="Calibri" pitchFamily="34" charset="0"/>
+              </a:rPr>
               <a:t>func.</a:t>
             </a:r>
             <a:r>
@@ -2622,34 +2658,49 @@
                     <a:lumMod val="75000"/>
                   </a:schemeClr>
                 </a:solidFill>
+                <a:latin typeface="Calibri" pitchFamily="34" charset="0"/>
               </a:rPr>
               <a:t>call</a:t>
             </a:r>
             <a:r>
-              <a:rPr lang="en-US" dirty="0" smtClean="0"/>
+              <a:rPr lang="en-US" dirty="0" smtClean="0">
+                <a:latin typeface="Calibri" pitchFamily="34" charset="0"/>
+              </a:rPr>
               <a:t>(context, </a:t>
             </a:r>
             <a:r>
-              <a:rPr lang="en-US" dirty="0" err="1" smtClean="0"/>
+              <a:rPr lang="en-US" dirty="0" err="1" smtClean="0">
+                <a:latin typeface="Calibri" pitchFamily="34" charset="0"/>
+              </a:rPr>
               <a:t>arg1</a:t>
             </a:r>
             <a:r>
-              <a:rPr lang="en-US" dirty="0" smtClean="0"/>
+              <a:rPr lang="en-US" dirty="0" smtClean="0">
+                <a:latin typeface="Calibri" pitchFamily="34" charset="0"/>
+              </a:rPr>
               <a:t>, </a:t>
             </a:r>
             <a:r>
-              <a:rPr lang="en-US" dirty="0" err="1" smtClean="0"/>
+              <a:rPr lang="en-US" dirty="0" err="1" smtClean="0">
+                <a:latin typeface="Calibri" pitchFamily="34" charset="0"/>
+              </a:rPr>
               <a:t>arg2</a:t>
             </a:r>
             <a:r>
-              <a:rPr lang="en-US" dirty="0" smtClean="0"/>
+              <a:rPr lang="en-US" dirty="0" smtClean="0">
+                <a:latin typeface="Calibri" pitchFamily="34" charset="0"/>
+              </a:rPr>
               <a:t>, ...)</a:t>
             </a:r>
             <a:r>
-              <a:rPr lang="ru-RU" dirty="0" smtClean="0"/>
+              <a:rPr lang="ru-RU" dirty="0" smtClean="0">
+                <a:latin typeface="Calibri" pitchFamily="34" charset="0"/>
+              </a:rPr>
               <a:t> </a:t>
             </a:r>
-            <a:endParaRPr lang="en-US" dirty="0"/>
+            <a:endParaRPr lang="en-US" dirty="0">
+              <a:latin typeface="Calibri" pitchFamily="34" charset="0"/>
+            </a:endParaRPr>
           </a:p>
         </p:txBody>
       </p:sp>
@@ -2675,7 +2726,9 @@
           </a:bodyPr>
           <a:lstStyle/>
           <a:p>
-            <a:endParaRPr lang="en-US" dirty="0"/>
+            <a:endParaRPr lang="en-US" dirty="0">
+              <a:latin typeface="Calibri" pitchFamily="34" charset="0"/>
+            </a:endParaRPr>
           </a:p>
         </p:txBody>
       </p:sp>
@@ -2715,7 +2768,9 @@
           <a:lstStyle/>
           <a:p>
             <a:r>
-              <a:rPr lang="en-US" dirty="0" err="1" smtClean="0"/>
+              <a:rPr lang="en-US" dirty="0" err="1" smtClean="0">
+                <a:latin typeface="Calibri" pitchFamily="34" charset="0"/>
+              </a:rPr>
               <a:t>func.</a:t>
             </a:r>
             <a:r>
@@ -2725,6 +2780,7 @@
                     <a:lumMod val="75000"/>
                   </a:schemeClr>
                 </a:solidFill>
+                <a:latin typeface="Calibri" pitchFamily="34" charset="0"/>
               </a:rPr>
               <a:t>apply</a:t>
             </a:r>
@@ -2735,30 +2791,43 @@
                     <a:lumMod val="75000"/>
                   </a:schemeClr>
                 </a:solidFill>
+                <a:latin typeface="Calibri" pitchFamily="34" charset="0"/>
               </a:rPr>
               <a:t>(</a:t>
             </a:r>
             <a:r>
-              <a:rPr lang="en-US" dirty="0" smtClean="0"/>
+              <a:rPr lang="en-US" dirty="0" smtClean="0">
+                <a:latin typeface="Calibri" pitchFamily="34" charset="0"/>
+              </a:rPr>
               <a:t>context, [</a:t>
             </a:r>
             <a:r>
-              <a:rPr lang="en-US" dirty="0" err="1" smtClean="0"/>
+              <a:rPr lang="en-US" dirty="0" err="1" smtClean="0">
+                <a:latin typeface="Calibri" pitchFamily="34" charset="0"/>
+              </a:rPr>
               <a:t>arg1</a:t>
             </a:r>
             <a:r>
-              <a:rPr lang="en-US" dirty="0" smtClean="0"/>
+              <a:rPr lang="en-US" dirty="0" smtClean="0">
+                <a:latin typeface="Calibri" pitchFamily="34" charset="0"/>
+              </a:rPr>
               <a:t>, </a:t>
             </a:r>
             <a:r>
-              <a:rPr lang="en-US" dirty="0" err="1" smtClean="0"/>
+              <a:rPr lang="en-US" dirty="0" err="1" smtClean="0">
+                <a:latin typeface="Calibri" pitchFamily="34" charset="0"/>
+              </a:rPr>
               <a:t>arg2</a:t>
             </a:r>
             <a:r>
-              <a:rPr lang="en-US" dirty="0" smtClean="0"/>
+              <a:rPr lang="en-US" dirty="0" smtClean="0">
+                <a:latin typeface="Calibri" pitchFamily="34" charset="0"/>
+              </a:rPr>
               <a:t>, …])</a:t>
             </a:r>
-            <a:endParaRPr lang="en-US" dirty="0"/>
+            <a:endParaRPr lang="en-US" dirty="0">
+              <a:latin typeface="Calibri" pitchFamily="34" charset="0"/>
+            </a:endParaRPr>
           </a:p>
         </p:txBody>
       </p:sp>
@@ -2784,7 +2853,9 @@
           </a:bodyPr>
           <a:lstStyle/>
           <a:p>
-            <a:endParaRPr lang="en-US" dirty="0"/>
+            <a:endParaRPr lang="en-US" dirty="0">
+              <a:latin typeface="Calibri" pitchFamily="34" charset="0"/>
+            </a:endParaRPr>
           </a:p>
         </p:txBody>
       </p:sp>
@@ -2810,30 +2881,44 @@
           </a:bodyPr>
           <a:lstStyle/>
           <a:p>
-            <a:endParaRPr lang="en-US" dirty="0" smtClean="0"/>
+            <a:endParaRPr lang="en-US" dirty="0" smtClean="0">
+              <a:latin typeface="Calibri" pitchFamily="34" charset="0"/>
+            </a:endParaRPr>
           </a:p>
           <a:p>
             <a:pPr algn="ctr"/>
             <a:r>
-              <a:rPr lang="ru-RU" dirty="0" smtClean="0"/>
+              <a:rPr lang="ru-RU" dirty="0" smtClean="0">
+                <a:latin typeface="Calibri" pitchFamily="34" charset="0"/>
+              </a:rPr>
               <a:t>Например</a:t>
             </a:r>
             <a:r>
-              <a:rPr lang="en-US" dirty="0" smtClean="0"/>
+              <a:rPr lang="en-US" dirty="0" smtClean="0">
+                <a:latin typeface="Calibri" pitchFamily="34" charset="0"/>
+              </a:rPr>
               <a:t>: </a:t>
             </a:r>
           </a:p>
           <a:p>
-            <a:endParaRPr lang="en-US" dirty="0" smtClean="0"/>
-          </a:p>
-          <a:p>
-            <a:endParaRPr lang="en-US" dirty="0" smtClean="0"/>
-          </a:p>
-          <a:p>
-            <a:endParaRPr lang="en-US" dirty="0" smtClean="0"/>
-          </a:p>
-          <a:p>
-            <a:endParaRPr lang="en-US" dirty="0"/>
+            <a:endParaRPr lang="en-US" dirty="0" smtClean="0">
+              <a:latin typeface="Calibri" pitchFamily="34" charset="0"/>
+            </a:endParaRPr>
+          </a:p>
+          <a:p>
+            <a:endParaRPr lang="en-US" dirty="0" smtClean="0">
+              <a:latin typeface="Calibri" pitchFamily="34" charset="0"/>
+            </a:endParaRPr>
+          </a:p>
+          <a:p>
+            <a:endParaRPr lang="en-US" dirty="0" smtClean="0">
+              <a:latin typeface="Calibri" pitchFamily="34" charset="0"/>
+            </a:endParaRPr>
+          </a:p>
+          <a:p>
+            <a:endParaRPr lang="en-US" dirty="0">
+              <a:latin typeface="Calibri" pitchFamily="34" charset="0"/>
+            </a:endParaRPr>
           </a:p>
         </p:txBody>
       </p:sp>
@@ -2879,35 +2964,50 @@
                     <a:lumMod val="75000"/>
                   </a:schemeClr>
                 </a:solidFill>
+                <a:latin typeface="Calibri" pitchFamily="34" charset="0"/>
               </a:rPr>
               <a:t>function</a:t>
             </a:r>
             <a:r>
-              <a:rPr lang="en-US" dirty="0" smtClean="0"/>
+              <a:rPr lang="en-US" dirty="0" smtClean="0">
+                <a:latin typeface="Calibri" pitchFamily="34" charset="0"/>
+              </a:rPr>
               <a:t> </a:t>
             </a:r>
             <a:r>
-              <a:rPr lang="en-US" dirty="0" err="1" smtClean="0"/>
+              <a:rPr lang="en-US" dirty="0" err="1" smtClean="0">
+                <a:latin typeface="Calibri" pitchFamily="34" charset="0"/>
+              </a:rPr>
               <a:t>showFullName</a:t>
             </a:r>
             <a:r>
-              <a:rPr lang="en-US" dirty="0" smtClean="0"/>
+              <a:rPr lang="en-US" dirty="0" smtClean="0">
+                <a:latin typeface="Calibri" pitchFamily="34" charset="0"/>
+              </a:rPr>
               <a:t>() { alert( </a:t>
             </a:r>
             <a:r>
-              <a:rPr lang="en-US" dirty="0" err="1" smtClean="0"/>
+              <a:rPr lang="en-US" dirty="0" err="1" smtClean="0">
+                <a:latin typeface="Calibri" pitchFamily="34" charset="0"/>
+              </a:rPr>
               <a:t>this.firstName</a:t>
             </a:r>
             <a:r>
-              <a:rPr lang="en-US" dirty="0" smtClean="0"/>
+              <a:rPr lang="en-US" dirty="0" smtClean="0">
+                <a:latin typeface="Calibri" pitchFamily="34" charset="0"/>
+              </a:rPr>
               <a:t> + " " + </a:t>
             </a:r>
             <a:r>
-              <a:rPr lang="en-US" dirty="0" err="1" smtClean="0"/>
+              <a:rPr lang="en-US" dirty="0" err="1" smtClean="0">
+                <a:latin typeface="Calibri" pitchFamily="34" charset="0"/>
+              </a:rPr>
               <a:t>this.lastName</a:t>
             </a:r>
             <a:r>
-              <a:rPr lang="en-US" dirty="0" smtClean="0"/>
+              <a:rPr lang="en-US" dirty="0" smtClean="0">
+                <a:latin typeface="Calibri" pitchFamily="34" charset="0"/>
+              </a:rPr>
               <a:t> ); } </a:t>
             </a:r>
           </a:p>
@@ -2919,6 +3019,7 @@
                     <a:lumMod val="75000"/>
                   </a:schemeClr>
                 </a:solidFill>
+                <a:latin typeface="Calibri" pitchFamily="34" charset="0"/>
               </a:rPr>
               <a:t>var</a:t>
             </a:r>
@@ -2929,48 +3030,69 @@
                     <a:lumMod val="75000"/>
                   </a:schemeClr>
                 </a:solidFill>
+                <a:latin typeface="Calibri" pitchFamily="34" charset="0"/>
               </a:rPr>
               <a:t> </a:t>
             </a:r>
             <a:r>
-              <a:rPr lang="en-US" dirty="0" smtClean="0"/>
+              <a:rPr lang="en-US" dirty="0" smtClean="0">
+                <a:latin typeface="Calibri" pitchFamily="34" charset="0"/>
+              </a:rPr>
               <a:t>user = { </a:t>
             </a:r>
             <a:r>
-              <a:rPr lang="en-US" dirty="0" err="1" smtClean="0"/>
+              <a:rPr lang="en-US" dirty="0" err="1" smtClean="0">
+                <a:latin typeface="Calibri" pitchFamily="34" charset="0"/>
+              </a:rPr>
               <a:t>firstName</a:t>
             </a:r>
             <a:r>
-              <a:rPr lang="en-US" dirty="0" smtClean="0"/>
+              <a:rPr lang="en-US" dirty="0" smtClean="0">
+                <a:latin typeface="Calibri" pitchFamily="34" charset="0"/>
+              </a:rPr>
               <a:t>: "</a:t>
             </a:r>
             <a:r>
-              <a:rPr lang="uk-UA" dirty="0" err="1" smtClean="0"/>
+              <a:rPr lang="uk-UA" dirty="0" err="1" smtClean="0">
+                <a:latin typeface="Calibri" pitchFamily="34" charset="0"/>
+              </a:rPr>
               <a:t>Василий</a:t>
             </a:r>
             <a:r>
-              <a:rPr lang="uk-UA" dirty="0" smtClean="0"/>
+              <a:rPr lang="uk-UA" dirty="0" smtClean="0">
+                <a:latin typeface="Calibri" pitchFamily="34" charset="0"/>
+              </a:rPr>
               <a:t>", </a:t>
             </a:r>
             <a:r>
-              <a:rPr lang="en-US" dirty="0" err="1" smtClean="0"/>
+              <a:rPr lang="en-US" dirty="0" err="1" smtClean="0">
+                <a:latin typeface="Calibri" pitchFamily="34" charset="0"/>
+              </a:rPr>
               <a:t>lastName</a:t>
             </a:r>
             <a:r>
-              <a:rPr lang="en-US" dirty="0" smtClean="0"/>
+              <a:rPr lang="en-US" dirty="0" smtClean="0">
+                <a:latin typeface="Calibri" pitchFamily="34" charset="0"/>
+              </a:rPr>
               <a:t>: "</a:t>
             </a:r>
             <a:r>
-              <a:rPr lang="uk-UA" dirty="0" smtClean="0"/>
+              <a:rPr lang="uk-UA" dirty="0" smtClean="0">
+                <a:latin typeface="Calibri" pitchFamily="34" charset="0"/>
+              </a:rPr>
               <a:t>Петров" }; </a:t>
             </a:r>
             <a:r>
-              <a:rPr lang="en-US" dirty="0" smtClean="0"/>
+              <a:rPr lang="en-US" dirty="0" smtClean="0">
+                <a:latin typeface="Calibri" pitchFamily="34" charset="0"/>
+              </a:rPr>
               <a:t> </a:t>
             </a:r>
           </a:p>
           <a:p>
-            <a:endParaRPr lang="en-US" dirty="0" smtClean="0"/>
+            <a:endParaRPr lang="en-US" dirty="0" smtClean="0">
+              <a:latin typeface="Calibri" pitchFamily="34" charset="0"/>
+            </a:endParaRPr>
           </a:p>
           <a:p>
             <a:r>
@@ -2980,6 +3102,7 @@
                     <a:lumMod val="50000"/>
                   </a:schemeClr>
                 </a:solidFill>
+                <a:latin typeface="Calibri" pitchFamily="34" charset="0"/>
               </a:rPr>
               <a:t>// </a:t>
             </a:r>
@@ -2990,6 +3113,7 @@
                     <a:lumMod val="50000"/>
                   </a:schemeClr>
                 </a:solidFill>
+                <a:latin typeface="Calibri" pitchFamily="34" charset="0"/>
               </a:rPr>
               <a:t>функция</a:t>
             </a:r>
@@ -3000,6 +3124,7 @@
                     <a:lumMod val="50000"/>
                   </a:schemeClr>
                 </a:solidFill>
+                <a:latin typeface="Calibri" pitchFamily="34" charset="0"/>
               </a:rPr>
               <a:t> </a:t>
             </a:r>
@@ -3010,6 +3135,7 @@
                     <a:lumMod val="50000"/>
                   </a:schemeClr>
                 </a:solidFill>
+                <a:latin typeface="Calibri" pitchFamily="34" charset="0"/>
               </a:rPr>
               <a:t>вызовется</a:t>
             </a:r>
@@ -3020,6 +3146,7 @@
                     <a:lumMod val="50000"/>
                   </a:schemeClr>
                 </a:solidFill>
+                <a:latin typeface="Calibri" pitchFamily="34" charset="0"/>
               </a:rPr>
               <a:t> с </a:t>
             </a:r>
@@ -3030,13 +3157,16 @@
                     <a:lumMod val="50000"/>
                   </a:schemeClr>
                 </a:solidFill>
+                <a:latin typeface="Calibri" pitchFamily="34" charset="0"/>
               </a:rPr>
               <a:t>this=user </a:t>
             </a:r>
           </a:p>
           <a:p>
             <a:r>
-              <a:rPr lang="en-US" dirty="0" err="1" smtClean="0"/>
+              <a:rPr lang="en-US" dirty="0" err="1" smtClean="0">
+                <a:latin typeface="Calibri" pitchFamily="34" charset="0"/>
+              </a:rPr>
               <a:t>showFullName.</a:t>
             </a:r>
             <a:r>
@@ -3046,11 +3176,14 @@
                     <a:lumMod val="75000"/>
                   </a:schemeClr>
                 </a:solidFill>
+                <a:latin typeface="Calibri" pitchFamily="34" charset="0"/>
               </a:rPr>
               <a:t>call</a:t>
             </a:r>
             <a:r>
-              <a:rPr lang="en-US" dirty="0" smtClean="0"/>
+              <a:rPr lang="en-US" dirty="0" smtClean="0">
+                <a:latin typeface="Calibri" pitchFamily="34" charset="0"/>
+              </a:rPr>
               <a:t>(user) </a:t>
             </a:r>
             <a:r>
@@ -3060,6 +3193,7 @@
                     <a:lumMod val="50000"/>
                   </a:schemeClr>
                 </a:solidFill>
+                <a:latin typeface="Calibri" pitchFamily="34" charset="0"/>
               </a:rPr>
               <a:t>// "</a:t>
             </a:r>
@@ -3070,6 +3204,7 @@
                     <a:lumMod val="50000"/>
                   </a:schemeClr>
                 </a:solidFill>
+                <a:latin typeface="Calibri" pitchFamily="34" charset="0"/>
               </a:rPr>
               <a:t>Василий</a:t>
             </a:r>
@@ -3080,6 +3215,7 @@
                     <a:lumMod val="50000"/>
                   </a:schemeClr>
                 </a:solidFill>
+                <a:latin typeface="Calibri" pitchFamily="34" charset="0"/>
               </a:rPr>
               <a:t> Петров"</a:t>
             </a:r>
@@ -3089,17 +3225,20 @@
                   <a:lumMod val="50000"/>
                 </a:schemeClr>
               </a:solidFill>
-            </a:endParaRPr>
-          </a:p>
-          <a:p>
-            <a:endParaRPr lang="en-US" dirty="0"/>
+              <a:latin typeface="Calibri" pitchFamily="34" charset="0"/>
+            </a:endParaRPr>
+          </a:p>
+          <a:p>
+            <a:endParaRPr lang="en-US" dirty="0">
+              <a:latin typeface="Calibri" pitchFamily="34" charset="0"/>
+            </a:endParaRPr>
           </a:p>
         </p:txBody>
       </p:sp>
     </p:spTree>
     <p:extLst>
       <p:ext uri="{BB962C8B-B14F-4D97-AF65-F5344CB8AC3E}">
-        <p14:creationId xmlns="" xmlns:p14="http://schemas.microsoft.com/office/powerpoint/2010/main" val="9290874"/>
+        <p14:creationId xmlns:p14="http://schemas.microsoft.com/office/powerpoint/2010/main" xmlns="" val="9290874"/>
       </p:ext>
     </p:extLst>
   </p:cSld>
@@ -3154,14 +3293,20 @@
           <a:lstStyle/>
           <a:p>
             <a:r>
-              <a:rPr lang="ru-RU" sz="2800" b="1" dirty="0" smtClean="0"/>
+              <a:rPr lang="ru-RU" sz="2800" dirty="0" smtClean="0">
+                <a:latin typeface="Calibri" pitchFamily="34" charset="0"/>
+              </a:rPr>
               <a:t>Метод </a:t>
             </a:r>
             <a:r>
-              <a:rPr lang="en-US" sz="2800" b="1" dirty="0" smtClean="0"/>
+              <a:rPr lang="en-US" sz="2800" dirty="0" smtClean="0">
+                <a:latin typeface="Calibri" pitchFamily="34" charset="0"/>
+              </a:rPr>
               <a:t>bind</a:t>
             </a:r>
-            <a:endParaRPr lang="en-US" sz="2800" b="1" dirty="0"/>
+            <a:endParaRPr lang="en-US" sz="2800" dirty="0">
+              <a:latin typeface="Calibri" pitchFamily="34" charset="0"/>
+            </a:endParaRPr>
           </a:p>
         </p:txBody>
       </p:sp>
@@ -3201,16 +3346,22 @@
           <a:lstStyle/>
           <a:p>
             <a:r>
-              <a:rPr lang="ru-RU" dirty="0" smtClean="0"/>
+              <a:rPr lang="ru-RU" dirty="0" smtClean="0">
+                <a:latin typeface="Calibri" pitchFamily="34" charset="0"/>
+              </a:rPr>
               <a:t>Синтаксис</a:t>
             </a:r>
             <a:r>
-              <a:rPr lang="en-US" dirty="0" smtClean="0"/>
+              <a:rPr lang="en-US" dirty="0" smtClean="0">
+                <a:latin typeface="Calibri" pitchFamily="34" charset="0"/>
+              </a:rPr>
               <a:t>: </a:t>
             </a:r>
           </a:p>
           <a:p>
-            <a:endParaRPr lang="en-US" dirty="0" smtClean="0"/>
+            <a:endParaRPr lang="en-US" dirty="0" smtClean="0">
+              <a:latin typeface="Calibri" pitchFamily="34" charset="0"/>
+            </a:endParaRPr>
           </a:p>
           <a:p>
             <a:r>
@@ -3220,15 +3371,20 @@
                     <a:lumMod val="75000"/>
                   </a:schemeClr>
                 </a:solidFill>
+                <a:latin typeface="Calibri" pitchFamily="34" charset="0"/>
               </a:rPr>
               <a:t>var</a:t>
             </a:r>
             <a:r>
-              <a:rPr lang="en-US" dirty="0" smtClean="0"/>
+              <a:rPr lang="en-US" dirty="0" smtClean="0">
+                <a:latin typeface="Calibri" pitchFamily="34" charset="0"/>
+              </a:rPr>
               <a:t> wrapper = </a:t>
             </a:r>
             <a:r>
-              <a:rPr lang="en-US" dirty="0" err="1" smtClean="0"/>
+              <a:rPr lang="en-US" dirty="0" err="1" smtClean="0">
+                <a:latin typeface="Calibri" pitchFamily="34" charset="0"/>
+              </a:rPr>
               <a:t>func.</a:t>
             </a:r>
             <a:r>
@@ -3238,6 +3394,7 @@
                     <a:lumMod val="75000"/>
                   </a:schemeClr>
                 </a:solidFill>
+                <a:latin typeface="Calibri" pitchFamily="34" charset="0"/>
               </a:rPr>
               <a:t>bind</a:t>
             </a:r>
@@ -3248,30 +3405,43 @@
                     <a:lumMod val="75000"/>
                   </a:schemeClr>
                 </a:solidFill>
+                <a:latin typeface="Calibri" pitchFamily="34" charset="0"/>
               </a:rPr>
               <a:t>(</a:t>
             </a:r>
             <a:r>
-              <a:rPr lang="en-US" dirty="0" smtClean="0"/>
+              <a:rPr lang="en-US" dirty="0" smtClean="0">
+                <a:latin typeface="Calibri" pitchFamily="34" charset="0"/>
+              </a:rPr>
               <a:t>context[, </a:t>
             </a:r>
             <a:r>
-              <a:rPr lang="en-US" dirty="0" err="1" smtClean="0"/>
+              <a:rPr lang="en-US" dirty="0" err="1" smtClean="0">
+                <a:latin typeface="Calibri" pitchFamily="34" charset="0"/>
+              </a:rPr>
               <a:t>arg1</a:t>
             </a:r>
             <a:r>
-              <a:rPr lang="en-US" dirty="0" smtClean="0"/>
+              <a:rPr lang="en-US" dirty="0" smtClean="0">
+                <a:latin typeface="Calibri" pitchFamily="34" charset="0"/>
+              </a:rPr>
               <a:t>, </a:t>
             </a:r>
             <a:r>
-              <a:rPr lang="en-US" dirty="0" err="1" smtClean="0"/>
+              <a:rPr lang="en-US" dirty="0" err="1" smtClean="0">
+                <a:latin typeface="Calibri" pitchFamily="34" charset="0"/>
+              </a:rPr>
               <a:t>arg2</a:t>
             </a:r>
             <a:r>
-              <a:rPr lang="en-US" dirty="0" smtClean="0"/>
+              <a:rPr lang="en-US" dirty="0" smtClean="0">
+                <a:latin typeface="Calibri" pitchFamily="34" charset="0"/>
+              </a:rPr>
               <a:t>...])</a:t>
             </a:r>
-            <a:endParaRPr lang="en-US" dirty="0"/>
+            <a:endParaRPr lang="en-US" dirty="0">
+              <a:latin typeface="Calibri" pitchFamily="34" charset="0"/>
+            </a:endParaRPr>
           </a:p>
         </p:txBody>
       </p:sp>
@@ -3283,8 +3453,8 @@
         </p:nvSpPr>
         <p:spPr>
           <a:xfrm>
-            <a:off x="395536" y="2564904"/>
-            <a:ext cx="8208912" cy="4001095"/>
+            <a:off x="395536" y="2708920"/>
+            <a:ext cx="8208912" cy="3416320"/>
           </a:xfrm>
           <a:prstGeom prst="rect">
             <a:avLst/>
@@ -3302,40 +3472,40 @@
               <a:buChar char="§"/>
             </a:pPr>
             <a:r>
-              <a:rPr lang="ru-RU" sz="2000" dirty="0" smtClean="0"/>
+              <a:rPr lang="ru-RU" dirty="0" smtClean="0">
+                <a:latin typeface="Calibri" pitchFamily="34" charset="0"/>
+              </a:rPr>
               <a:t>  </a:t>
             </a:r>
             <a:r>
-              <a:rPr lang="en-US" sz="2000" dirty="0" smtClean="0"/>
+              <a:rPr lang="en-US" dirty="0" smtClean="0">
+                <a:latin typeface="Calibri" pitchFamily="34" charset="0"/>
+              </a:rPr>
               <a:t>F</a:t>
             </a:r>
             <a:r>
-              <a:rPr lang="ru-RU" sz="2000" dirty="0" err="1" smtClean="0"/>
+              <a:rPr lang="ru-RU" dirty="0" err="1" smtClean="0">
+                <a:latin typeface="Calibri" pitchFamily="34" charset="0"/>
+              </a:rPr>
               <a:t>unc</a:t>
             </a:r>
             <a:r>
-              <a:rPr lang="en-US" sz="2000" dirty="0" smtClean="0"/>
+              <a:rPr lang="en-US" dirty="0" smtClean="0">
+                <a:latin typeface="Calibri" pitchFamily="34" charset="0"/>
+              </a:rPr>
               <a:t> - </a:t>
             </a:r>
             <a:r>
-              <a:rPr lang="ru-RU" sz="2000" dirty="0" smtClean="0"/>
+              <a:rPr lang="ru-RU" dirty="0" smtClean="0">
+                <a:latin typeface="Calibri" pitchFamily="34" charset="0"/>
+              </a:rPr>
               <a:t>Произвольная </a:t>
             </a:r>
             <a:r>
-              <a:rPr lang="ru-RU" sz="2000" dirty="0" err="1" smtClean="0"/>
-              <a:t>функцияcontextКонтекст</a:t>
-            </a:r>
-            <a:r>
-              <a:rPr lang="ru-RU" sz="2000" dirty="0" smtClean="0"/>
-              <a:t>, который привязывается к </a:t>
-            </a:r>
-            <a:r>
-              <a:rPr lang="ru-RU" sz="2000" dirty="0" err="1" smtClean="0"/>
-              <a:t>func</a:t>
-            </a:r>
-            <a:r>
-              <a:rPr lang="en-US" sz="2000" dirty="0" smtClean="0"/>
-              <a:t> </a:t>
+              <a:rPr lang="ru-RU" dirty="0" smtClean="0">
+                <a:latin typeface="Calibri" pitchFamily="34" charset="0"/>
+              </a:rPr>
+              <a:t>функция </a:t>
             </a:r>
           </a:p>
           <a:p>
@@ -3343,122 +3513,218 @@
               <a:buFont typeface="Wingdings" pitchFamily="2" charset="2"/>
               <a:buChar char="§"/>
             </a:pPr>
-            <a:endParaRPr lang="ru-RU" sz="2000" dirty="0" smtClean="0"/>
+            <a:r>
+              <a:rPr lang="ru-RU" dirty="0" smtClean="0">
+                <a:latin typeface="Calibri" pitchFamily="34" charset="0"/>
+              </a:rPr>
+              <a:t> </a:t>
+            </a:r>
+            <a:r>
+              <a:rPr lang="ru-RU" dirty="0" smtClean="0">
+                <a:latin typeface="Calibri" pitchFamily="34" charset="0"/>
+              </a:rPr>
+              <a:t> </a:t>
+            </a:r>
+            <a:r>
+              <a:rPr lang="ru-RU" dirty="0" err="1" smtClean="0">
+                <a:latin typeface="Calibri" pitchFamily="34" charset="0"/>
+              </a:rPr>
+              <a:t>context</a:t>
+            </a:r>
+            <a:r>
+              <a:rPr lang="ru-RU" dirty="0" smtClean="0">
+                <a:latin typeface="Calibri" pitchFamily="34" charset="0"/>
+              </a:rPr>
+              <a:t> - Контекст</a:t>
+            </a:r>
+            <a:r>
+              <a:rPr lang="ru-RU" dirty="0" smtClean="0">
+                <a:latin typeface="Calibri" pitchFamily="34" charset="0"/>
+              </a:rPr>
+              <a:t>, который привязывается к </a:t>
+            </a:r>
+            <a:r>
+              <a:rPr lang="ru-RU" dirty="0" err="1" smtClean="0">
+                <a:latin typeface="Calibri" pitchFamily="34" charset="0"/>
+              </a:rPr>
+              <a:t>func</a:t>
+            </a:r>
+            <a:r>
+              <a:rPr lang="en-US" dirty="0" smtClean="0">
+                <a:latin typeface="Calibri" pitchFamily="34" charset="0"/>
+              </a:rPr>
+              <a:t> </a:t>
+            </a:r>
           </a:p>
           <a:p>
             <a:pPr>
               <a:buFont typeface="Wingdings" pitchFamily="2" charset="2"/>
               <a:buChar char="§"/>
             </a:pPr>
-            <a:r>
-              <a:rPr lang="ru-RU" sz="2000" dirty="0" smtClean="0"/>
-              <a:t>   </a:t>
-            </a:r>
-            <a:r>
-              <a:rPr lang="ru-RU" sz="2000" dirty="0" err="1" smtClean="0"/>
-              <a:t>arg1</a:t>
-            </a:r>
-            <a:r>
-              <a:rPr lang="ru-RU" sz="2000" dirty="0" smtClean="0"/>
-              <a:t>, </a:t>
-            </a:r>
-            <a:r>
-              <a:rPr lang="ru-RU" sz="2000" dirty="0" err="1" smtClean="0"/>
-              <a:t>arg2</a:t>
-            </a:r>
-            <a:r>
-              <a:rPr lang="ru-RU" sz="2000" dirty="0" smtClean="0"/>
-              <a:t>, …</a:t>
-            </a:r>
-            <a:r>
-              <a:rPr lang="en-US" sz="2000" dirty="0" smtClean="0"/>
-              <a:t> - </a:t>
-            </a:r>
-            <a:r>
-              <a:rPr lang="ru-RU" sz="2000" dirty="0" smtClean="0"/>
-              <a:t>Если указаны аргументы </a:t>
-            </a:r>
-            <a:r>
-              <a:rPr lang="ru-RU" sz="2000" dirty="0" err="1" smtClean="0"/>
-              <a:t>arg1</a:t>
-            </a:r>
-            <a:r>
-              <a:rPr lang="ru-RU" sz="2000" dirty="0" smtClean="0"/>
-              <a:t>, </a:t>
-            </a:r>
-            <a:r>
-              <a:rPr lang="ru-RU" sz="2000" dirty="0" err="1" smtClean="0"/>
-              <a:t>arg2</a:t>
-            </a:r>
-            <a:r>
-              <a:rPr lang="ru-RU" sz="2000" dirty="0" smtClean="0"/>
-              <a:t>... – они будут прибавлены к каждому вызову новой функции, причем встанут </a:t>
-            </a:r>
-            <a:r>
-              <a:rPr lang="ru-RU" sz="2000" i="1" dirty="0" smtClean="0"/>
-              <a:t>перед</a:t>
-            </a:r>
-            <a:r>
-              <a:rPr lang="ru-RU" sz="2000" dirty="0" smtClean="0"/>
-              <a:t> теми, которые указаны при вызове.</a:t>
-            </a:r>
-            <a:r>
-              <a:rPr lang="en-US" sz="2000" dirty="0" smtClean="0"/>
-              <a:t> </a:t>
-            </a:r>
+            <a:endParaRPr lang="ru-RU" dirty="0" smtClean="0">
+              <a:latin typeface="Calibri" pitchFamily="34" charset="0"/>
+            </a:endParaRPr>
           </a:p>
           <a:p>
             <a:pPr>
               <a:buFont typeface="Wingdings" pitchFamily="2" charset="2"/>
               <a:buChar char="§"/>
             </a:pPr>
-            <a:endParaRPr lang="en-US" sz="2000" dirty="0" smtClean="0"/>
+            <a:r>
+              <a:rPr lang="ru-RU" dirty="0" smtClean="0">
+                <a:latin typeface="Calibri" pitchFamily="34" charset="0"/>
+              </a:rPr>
+              <a:t>   </a:t>
+            </a:r>
+            <a:r>
+              <a:rPr lang="ru-RU" dirty="0" err="1" smtClean="0">
+                <a:latin typeface="Calibri" pitchFamily="34" charset="0"/>
+              </a:rPr>
+              <a:t>arg1</a:t>
+            </a:r>
+            <a:r>
+              <a:rPr lang="ru-RU" dirty="0" smtClean="0">
+                <a:latin typeface="Calibri" pitchFamily="34" charset="0"/>
+              </a:rPr>
+              <a:t>, </a:t>
+            </a:r>
+            <a:r>
+              <a:rPr lang="ru-RU" dirty="0" err="1" smtClean="0">
+                <a:latin typeface="Calibri" pitchFamily="34" charset="0"/>
+              </a:rPr>
+              <a:t>arg2</a:t>
+            </a:r>
+            <a:r>
+              <a:rPr lang="ru-RU" dirty="0" smtClean="0">
+                <a:latin typeface="Calibri" pitchFamily="34" charset="0"/>
+              </a:rPr>
+              <a:t>, …</a:t>
+            </a:r>
+            <a:r>
+              <a:rPr lang="en-US" dirty="0" smtClean="0">
+                <a:latin typeface="Calibri" pitchFamily="34" charset="0"/>
+              </a:rPr>
+              <a:t> - </a:t>
+            </a:r>
+            <a:r>
+              <a:rPr lang="ru-RU" dirty="0" smtClean="0">
+                <a:latin typeface="Calibri" pitchFamily="34" charset="0"/>
+              </a:rPr>
+              <a:t>Если указаны аргументы </a:t>
+            </a:r>
+            <a:r>
+              <a:rPr lang="ru-RU" dirty="0" err="1" smtClean="0">
+                <a:latin typeface="Calibri" pitchFamily="34" charset="0"/>
+              </a:rPr>
+              <a:t>arg1</a:t>
+            </a:r>
+            <a:r>
+              <a:rPr lang="ru-RU" dirty="0" smtClean="0">
+                <a:latin typeface="Calibri" pitchFamily="34" charset="0"/>
+              </a:rPr>
+              <a:t>, </a:t>
+            </a:r>
+            <a:r>
+              <a:rPr lang="ru-RU" dirty="0" err="1" smtClean="0">
+                <a:latin typeface="Calibri" pitchFamily="34" charset="0"/>
+              </a:rPr>
+              <a:t>arg2</a:t>
+            </a:r>
+            <a:r>
+              <a:rPr lang="ru-RU" dirty="0" smtClean="0">
+                <a:latin typeface="Calibri" pitchFamily="34" charset="0"/>
+              </a:rPr>
+              <a:t>... – они будут прибавлены к каждому вызову новой функции, причем встанут </a:t>
+            </a:r>
+            <a:r>
+              <a:rPr lang="ru-RU" i="1" dirty="0" smtClean="0">
+                <a:latin typeface="Calibri" pitchFamily="34" charset="0"/>
+              </a:rPr>
+              <a:t>перед</a:t>
+            </a:r>
+            <a:r>
+              <a:rPr lang="ru-RU" dirty="0" smtClean="0">
+                <a:latin typeface="Calibri" pitchFamily="34" charset="0"/>
+              </a:rPr>
+              <a:t> теми, которые указаны при вызове.</a:t>
+            </a:r>
+            <a:r>
+              <a:rPr lang="en-US" dirty="0" smtClean="0">
+                <a:latin typeface="Calibri" pitchFamily="34" charset="0"/>
+              </a:rPr>
+              <a:t> </a:t>
+            </a:r>
           </a:p>
           <a:p>
             <a:pPr>
               <a:buFont typeface="Wingdings" pitchFamily="2" charset="2"/>
               <a:buChar char="§"/>
             </a:pPr>
-            <a:r>
-              <a:rPr lang="ru-RU" sz="2000" dirty="0" smtClean="0"/>
-              <a:t>  Таким образом, </a:t>
-            </a:r>
-            <a:r>
-              <a:rPr lang="ru-RU" sz="2000" dirty="0" err="1" smtClean="0"/>
-              <a:t>wrapper</a:t>
-            </a:r>
-            <a:r>
-              <a:rPr lang="ru-RU" sz="2000" dirty="0" smtClean="0"/>
-              <a:t> – это обёртка, фиксирующая контекст и передающая вызовы в </a:t>
-            </a:r>
-            <a:r>
-              <a:rPr lang="ru-RU" sz="2000" dirty="0" err="1" smtClean="0"/>
-              <a:t>func</a:t>
-            </a:r>
-            <a:r>
-              <a:rPr lang="ru-RU" sz="2000" dirty="0" smtClean="0"/>
-              <a:t>. Также можно указать аргументы, тогда и они будут фиксированы. </a:t>
-            </a:r>
+            <a:endParaRPr lang="en-US" dirty="0" smtClean="0">
+              <a:latin typeface="Calibri" pitchFamily="34" charset="0"/>
+            </a:endParaRPr>
           </a:p>
           <a:p>
             <a:pPr>
               <a:buFont typeface="Wingdings" pitchFamily="2" charset="2"/>
               <a:buChar char="§"/>
             </a:pPr>
-            <a:endParaRPr lang="ru-RU" dirty="0" smtClean="0"/>
-          </a:p>
-          <a:p>
-            <a:endParaRPr lang="ru-RU" dirty="0" smtClean="0"/>
-          </a:p>
-          <a:p>
-            <a:endParaRPr lang="en-US" dirty="0"/>
+            <a:r>
+              <a:rPr lang="ru-RU" dirty="0" smtClean="0">
+                <a:latin typeface="Calibri" pitchFamily="34" charset="0"/>
+              </a:rPr>
+              <a:t>  Таким образом, </a:t>
+            </a:r>
+            <a:r>
+              <a:rPr lang="ru-RU" dirty="0" err="1" smtClean="0">
+                <a:latin typeface="Calibri" pitchFamily="34" charset="0"/>
+              </a:rPr>
+              <a:t>wrapper</a:t>
+            </a:r>
+            <a:r>
+              <a:rPr lang="ru-RU" dirty="0" smtClean="0">
+                <a:latin typeface="Calibri" pitchFamily="34" charset="0"/>
+              </a:rPr>
+              <a:t> – это обёртка, фиксирующая контекст и передающая вызовы в </a:t>
+            </a:r>
+            <a:r>
+              <a:rPr lang="ru-RU" dirty="0" err="1" smtClean="0">
+                <a:latin typeface="Calibri" pitchFamily="34" charset="0"/>
+              </a:rPr>
+              <a:t>func</a:t>
+            </a:r>
+            <a:r>
+              <a:rPr lang="ru-RU" dirty="0" smtClean="0">
+                <a:latin typeface="Calibri" pitchFamily="34" charset="0"/>
+              </a:rPr>
+              <a:t>. Также можно указать аргументы, тогда и они будут фиксированы. </a:t>
+            </a:r>
+          </a:p>
+          <a:p>
+            <a:pPr>
+              <a:buFont typeface="Wingdings" pitchFamily="2" charset="2"/>
+              <a:buChar char="§"/>
+            </a:pPr>
+            <a:endParaRPr lang="ru-RU" dirty="0" smtClean="0">
+              <a:latin typeface="Calibri" pitchFamily="34" charset="0"/>
+            </a:endParaRPr>
+          </a:p>
+          <a:p>
+            <a:endParaRPr lang="ru-RU" dirty="0" smtClean="0">
+              <a:latin typeface="Calibri" pitchFamily="34" charset="0"/>
+            </a:endParaRPr>
+          </a:p>
+          <a:p>
+            <a:endParaRPr lang="en-US" dirty="0">
+              <a:latin typeface="Calibri" pitchFamily="34" charset="0"/>
+            </a:endParaRPr>
           </a:p>
         </p:txBody>
       </p:sp>
     </p:spTree>
     <p:extLst>
       <p:ext uri="{BB962C8B-B14F-4D97-AF65-F5344CB8AC3E}">
-        <p14:creationId xmlns="" xmlns:p14="http://schemas.microsoft.com/office/powerpoint/2010/main" val="9290874"/>
+        <p14:creationId xmlns:p14="http://schemas.microsoft.com/office/powerpoint/2010/main" xmlns="" val="9290874"/>
       </p:ext>
     </p:extLst>
   </p:cSld>
@@ -3508,10 +3774,14 @@
           <a:lstStyle/>
           <a:p>
             <a:r>
-              <a:rPr lang="ru-RU" b="1" dirty="0" err="1" smtClean="0"/>
+              <a:rPr lang="ru-RU" dirty="0" err="1" smtClean="0">
+                <a:latin typeface="Calibri" pitchFamily="34" charset="0"/>
+              </a:rPr>
               <a:t>Карринг</a:t>
             </a:r>
-            <a:endParaRPr lang="en-US" b="1" dirty="0"/>
+            <a:endParaRPr lang="en-US" dirty="0">
+              <a:latin typeface="Calibri" pitchFamily="34" charset="0"/>
+            </a:endParaRPr>
           </a:p>
         </p:txBody>
       </p:sp>
@@ -3539,129 +3809,197 @@
           <a:p>
             <a:pPr algn="just"/>
             <a:r>
-              <a:rPr lang="ru-RU" b="1" dirty="0" err="1" smtClean="0"/>
+              <a:rPr lang="ru-RU" b="1" dirty="0" err="1" smtClean="0">
+                <a:latin typeface="Calibri" pitchFamily="34" charset="0"/>
+              </a:rPr>
               <a:t>Карринг</a:t>
             </a:r>
             <a:r>
-              <a:rPr lang="ru-RU" b="1" dirty="0" smtClean="0"/>
+              <a:rPr lang="ru-RU" b="1" dirty="0" smtClean="0">
+                <a:latin typeface="Calibri" pitchFamily="34" charset="0"/>
+              </a:rPr>
               <a:t> (</a:t>
             </a:r>
             <a:r>
-              <a:rPr lang="ru-RU" b="1" dirty="0" err="1" smtClean="0"/>
+              <a:rPr lang="ru-RU" b="1" dirty="0" err="1" smtClean="0">
+                <a:latin typeface="Calibri" pitchFamily="34" charset="0"/>
+              </a:rPr>
               <a:t>currying</a:t>
             </a:r>
             <a:r>
-              <a:rPr lang="ru-RU" b="1" dirty="0" smtClean="0"/>
+              <a:rPr lang="ru-RU" b="1" dirty="0" smtClean="0">
+                <a:latin typeface="Calibri" pitchFamily="34" charset="0"/>
+              </a:rPr>
               <a:t>) </a:t>
             </a:r>
             <a:r>
-              <a:rPr lang="ru-RU" dirty="0" smtClean="0"/>
+              <a:rPr lang="ru-RU" dirty="0" smtClean="0">
+                <a:latin typeface="Calibri" pitchFamily="34" charset="0"/>
+              </a:rPr>
               <a:t>или </a:t>
             </a:r>
             <a:r>
-              <a:rPr lang="ru-RU" b="1" dirty="0" err="1" smtClean="0"/>
+              <a:rPr lang="ru-RU" b="1" dirty="0" err="1" smtClean="0">
+                <a:latin typeface="Calibri" pitchFamily="34" charset="0"/>
+              </a:rPr>
               <a:t>каррирование</a:t>
             </a:r>
             <a:r>
-              <a:rPr lang="ru-RU" dirty="0" smtClean="0"/>
+              <a:rPr lang="ru-RU" dirty="0" smtClean="0">
+                <a:latin typeface="Calibri" pitchFamily="34" charset="0"/>
+              </a:rPr>
               <a:t> – термин функционального программирования, который означает создание новой функции путём фиксирования аргументов существующей. </a:t>
             </a:r>
           </a:p>
           <a:p>
-            <a:endParaRPr lang="ru-RU" dirty="0" smtClean="0"/>
-          </a:p>
-          <a:p>
-            <a:r>
-              <a:rPr lang="ru-RU" dirty="0" smtClean="0"/>
+            <a:endParaRPr lang="ru-RU" dirty="0" smtClean="0">
+              <a:latin typeface="Calibri" pitchFamily="34" charset="0"/>
+            </a:endParaRPr>
+          </a:p>
+          <a:p>
+            <a:r>
+              <a:rPr lang="ru-RU" dirty="0" smtClean="0">
+                <a:latin typeface="Calibri" pitchFamily="34" charset="0"/>
+              </a:rPr>
               <a:t>Например</a:t>
             </a:r>
             <a:r>
-              <a:rPr lang="en-US" dirty="0" smtClean="0"/>
+              <a:rPr lang="en-US" dirty="0" smtClean="0">
+                <a:latin typeface="Calibri" pitchFamily="34" charset="0"/>
+              </a:rPr>
               <a:t>:  </a:t>
             </a:r>
           </a:p>
           <a:p>
-            <a:endParaRPr lang="en-US" dirty="0" smtClean="0"/>
-          </a:p>
-          <a:p>
-            <a:endParaRPr lang="en-US" dirty="0" smtClean="0"/>
-          </a:p>
-          <a:p>
-            <a:endParaRPr lang="ru-RU" dirty="0" smtClean="0"/>
-          </a:p>
-          <a:p>
-            <a:endParaRPr lang="ru-RU" dirty="0" smtClean="0"/>
-          </a:p>
-          <a:p>
-            <a:endParaRPr lang="ru-RU" dirty="0" smtClean="0"/>
-          </a:p>
-          <a:p>
-            <a:endParaRPr lang="ru-RU" dirty="0" smtClean="0"/>
-          </a:p>
-          <a:p>
-            <a:endParaRPr lang="ru-RU" dirty="0" smtClean="0"/>
-          </a:p>
-          <a:p>
-            <a:endParaRPr lang="ru-RU" dirty="0" smtClean="0"/>
-          </a:p>
-          <a:p>
-            <a:endParaRPr lang="ru-RU" dirty="0" smtClean="0"/>
-          </a:p>
-          <a:p>
-            <a:endParaRPr lang="en-US" dirty="0" smtClean="0"/>
-          </a:p>
-          <a:p>
-            <a:r>
-              <a:rPr lang="ru-RU" dirty="0" smtClean="0"/>
+            <a:endParaRPr lang="en-US" dirty="0" smtClean="0">
+              <a:latin typeface="Calibri" pitchFamily="34" charset="0"/>
+            </a:endParaRPr>
+          </a:p>
+          <a:p>
+            <a:endParaRPr lang="en-US" dirty="0" smtClean="0">
+              <a:latin typeface="Calibri" pitchFamily="34" charset="0"/>
+            </a:endParaRPr>
+          </a:p>
+          <a:p>
+            <a:endParaRPr lang="ru-RU" dirty="0" smtClean="0">
+              <a:latin typeface="Calibri" pitchFamily="34" charset="0"/>
+            </a:endParaRPr>
+          </a:p>
+          <a:p>
+            <a:endParaRPr lang="ru-RU" dirty="0" smtClean="0">
+              <a:latin typeface="Calibri" pitchFamily="34" charset="0"/>
+            </a:endParaRPr>
+          </a:p>
+          <a:p>
+            <a:endParaRPr lang="ru-RU" dirty="0" smtClean="0">
+              <a:latin typeface="Calibri" pitchFamily="34" charset="0"/>
+            </a:endParaRPr>
+          </a:p>
+          <a:p>
+            <a:endParaRPr lang="ru-RU" dirty="0" smtClean="0">
+              <a:latin typeface="Calibri" pitchFamily="34" charset="0"/>
+            </a:endParaRPr>
+          </a:p>
+          <a:p>
+            <a:endParaRPr lang="ru-RU" dirty="0" smtClean="0">
+              <a:latin typeface="Calibri" pitchFamily="34" charset="0"/>
+            </a:endParaRPr>
+          </a:p>
+          <a:p>
+            <a:endParaRPr lang="ru-RU" dirty="0" smtClean="0">
+              <a:latin typeface="Calibri" pitchFamily="34" charset="0"/>
+            </a:endParaRPr>
+          </a:p>
+          <a:p>
+            <a:endParaRPr lang="ru-RU" dirty="0" smtClean="0">
+              <a:latin typeface="Calibri" pitchFamily="34" charset="0"/>
+            </a:endParaRPr>
+          </a:p>
+          <a:p>
+            <a:endParaRPr lang="en-US" dirty="0" smtClean="0">
+              <a:latin typeface="Calibri" pitchFamily="34" charset="0"/>
+            </a:endParaRPr>
+          </a:p>
+          <a:p>
+            <a:r>
+              <a:rPr lang="ru-RU" dirty="0" smtClean="0">
+                <a:latin typeface="Calibri" pitchFamily="34" charset="0"/>
+              </a:rPr>
               <a:t>Говорят, что </a:t>
             </a:r>
             <a:r>
-              <a:rPr lang="en-US" dirty="0" smtClean="0"/>
+              <a:rPr lang="en-US" dirty="0" smtClean="0">
+                <a:latin typeface="Calibri" pitchFamily="34" charset="0"/>
+              </a:rPr>
               <a:t>triple</a:t>
             </a:r>
             <a:r>
-              <a:rPr lang="ru-RU" dirty="0" smtClean="0"/>
+              <a:rPr lang="ru-RU" dirty="0" smtClean="0">
+                <a:latin typeface="Calibri" pitchFamily="34" charset="0"/>
+              </a:rPr>
               <a:t> является </a:t>
             </a:r>
             <a:r>
-              <a:rPr lang="ru-RU" b="1" dirty="0" smtClean="0"/>
+              <a:rPr lang="ru-RU" b="1" dirty="0" smtClean="0">
+                <a:latin typeface="Calibri" pitchFamily="34" charset="0"/>
+              </a:rPr>
               <a:t>«частичной функцией» </a:t>
             </a:r>
             <a:r>
-              <a:rPr lang="ru-RU" dirty="0" smtClean="0"/>
+              <a:rPr lang="ru-RU" dirty="0" smtClean="0">
+                <a:latin typeface="Calibri" pitchFamily="34" charset="0"/>
+              </a:rPr>
               <a:t>(</a:t>
             </a:r>
             <a:r>
-              <a:rPr lang="ru-RU" dirty="0" err="1" smtClean="0"/>
+              <a:rPr lang="ru-RU" dirty="0" err="1" smtClean="0">
+                <a:latin typeface="Calibri" pitchFamily="34" charset="0"/>
+              </a:rPr>
               <a:t>partial</a:t>
             </a:r>
             <a:r>
-              <a:rPr lang="ru-RU" dirty="0" smtClean="0"/>
+              <a:rPr lang="ru-RU" dirty="0" smtClean="0">
+                <a:latin typeface="Calibri" pitchFamily="34" charset="0"/>
+              </a:rPr>
               <a:t> </a:t>
             </a:r>
             <a:r>
-              <a:rPr lang="ru-RU" dirty="0" err="1" smtClean="0"/>
+              <a:rPr lang="ru-RU" dirty="0" err="1" smtClean="0">
+                <a:latin typeface="Calibri" pitchFamily="34" charset="0"/>
+              </a:rPr>
               <a:t>function</a:t>
             </a:r>
             <a:r>
-              <a:rPr lang="ru-RU" dirty="0" smtClean="0"/>
+              <a:rPr lang="ru-RU" dirty="0" smtClean="0">
+                <a:latin typeface="Calibri" pitchFamily="34" charset="0"/>
+              </a:rPr>
               <a:t>) от </a:t>
             </a:r>
             <a:r>
-              <a:rPr lang="ru-RU" dirty="0" err="1" smtClean="0"/>
+              <a:rPr lang="ru-RU" dirty="0" err="1" smtClean="0">
+                <a:latin typeface="Calibri" pitchFamily="34" charset="0"/>
+              </a:rPr>
               <a:t>mul</a:t>
             </a:r>
             <a:r>
-              <a:rPr lang="ru-RU" dirty="0" smtClean="0"/>
+              <a:rPr lang="ru-RU" dirty="0" smtClean="0">
+                <a:latin typeface="Calibri" pitchFamily="34" charset="0"/>
+              </a:rPr>
               <a:t>.</a:t>
             </a:r>
-            <a:endParaRPr lang="en-US" dirty="0" smtClean="0"/>
-          </a:p>
-          <a:p>
-            <a:endParaRPr lang="en-US" dirty="0" smtClean="0"/>
-          </a:p>
-          <a:p>
-            <a:endParaRPr lang="en-US" dirty="0"/>
+            <a:endParaRPr lang="en-US" dirty="0" smtClean="0">
+              <a:latin typeface="Calibri" pitchFamily="34" charset="0"/>
+            </a:endParaRPr>
+          </a:p>
+          <a:p>
+            <a:endParaRPr lang="en-US" dirty="0" smtClean="0">
+              <a:latin typeface="Calibri" pitchFamily="34" charset="0"/>
+            </a:endParaRPr>
+          </a:p>
+          <a:p>
+            <a:endParaRPr lang="en-US" dirty="0">
+              <a:latin typeface="Calibri" pitchFamily="34" charset="0"/>
+            </a:endParaRPr>
           </a:p>
         </p:txBody>
       </p:sp>
@@ -3701,20 +4039,28 @@
           <a:lstStyle/>
           <a:p>
             <a:r>
-              <a:rPr lang="en-US" dirty="0" smtClean="0"/>
+              <a:rPr lang="en-US" dirty="0" smtClean="0">
+                <a:latin typeface="Calibri" pitchFamily="34" charset="0"/>
+              </a:rPr>
               <a:t>function </a:t>
             </a:r>
             <a:r>
-              <a:rPr lang="en-US" dirty="0" err="1" smtClean="0"/>
+              <a:rPr lang="en-US" dirty="0" err="1" smtClean="0">
+                <a:latin typeface="Calibri" pitchFamily="34" charset="0"/>
+              </a:rPr>
               <a:t>mul</a:t>
             </a:r>
             <a:r>
-              <a:rPr lang="en-US" dirty="0" smtClean="0"/>
+              <a:rPr lang="en-US" dirty="0" smtClean="0">
+                <a:latin typeface="Calibri" pitchFamily="34" charset="0"/>
+              </a:rPr>
               <a:t>(a, b) { return a * b; };</a:t>
             </a:r>
           </a:p>
           <a:p>
-            <a:endParaRPr lang="en-US" dirty="0" smtClean="0"/>
+            <a:endParaRPr lang="en-US" dirty="0" smtClean="0">
+              <a:latin typeface="Calibri" pitchFamily="34" charset="0"/>
+            </a:endParaRPr>
           </a:p>
           <a:p>
             <a:r>
@@ -3724,6 +4070,7 @@
                     <a:lumMod val="75000"/>
                   </a:schemeClr>
                 </a:solidFill>
+                <a:latin typeface="Calibri" pitchFamily="34" charset="0"/>
               </a:rPr>
               <a:t>var</a:t>
             </a:r>
@@ -3734,90 +4081,131 @@
                     <a:lumMod val="75000"/>
                   </a:schemeClr>
                 </a:solidFill>
+                <a:latin typeface="Calibri" pitchFamily="34" charset="0"/>
               </a:rPr>
               <a:t> </a:t>
             </a:r>
             <a:r>
-              <a:rPr lang="en-US" dirty="0" smtClean="0"/>
+              <a:rPr lang="en-US" dirty="0" smtClean="0">
+                <a:latin typeface="Calibri" pitchFamily="34" charset="0"/>
+              </a:rPr>
               <a:t>triple = </a:t>
             </a:r>
             <a:r>
-              <a:rPr lang="en-US" dirty="0" err="1" smtClean="0"/>
+              <a:rPr lang="en-US" dirty="0" err="1" smtClean="0">
+                <a:latin typeface="Calibri" pitchFamily="34" charset="0"/>
+              </a:rPr>
               <a:t>mul.bind</a:t>
             </a:r>
             <a:r>
-              <a:rPr lang="en-US" dirty="0" smtClean="0"/>
+              <a:rPr lang="en-US" dirty="0" smtClean="0">
+                <a:latin typeface="Calibri" pitchFamily="34" charset="0"/>
+              </a:rPr>
               <a:t>(null, 3); // </a:t>
             </a:r>
             <a:r>
-              <a:rPr lang="uk-UA" dirty="0" smtClean="0"/>
+              <a:rPr lang="uk-UA" i="1" dirty="0" smtClean="0">
+                <a:latin typeface="Calibri" pitchFamily="34" charset="0"/>
+              </a:rPr>
               <a:t>контекст </a:t>
             </a:r>
             <a:r>
-              <a:rPr lang="uk-UA" dirty="0" err="1" smtClean="0"/>
+              <a:rPr lang="uk-UA" i="1" dirty="0" err="1" smtClean="0">
+                <a:latin typeface="Calibri" pitchFamily="34" charset="0"/>
+              </a:rPr>
               <a:t>фиксируем</a:t>
             </a:r>
             <a:r>
-              <a:rPr lang="uk-UA" dirty="0" smtClean="0"/>
+              <a:rPr lang="uk-UA" i="1" dirty="0" smtClean="0">
+                <a:latin typeface="Calibri" pitchFamily="34" charset="0"/>
+              </a:rPr>
               <a:t> </a:t>
             </a:r>
             <a:r>
-              <a:rPr lang="en-US" dirty="0" smtClean="0"/>
+              <a:rPr lang="en-US" i="1" dirty="0" smtClean="0">
+                <a:latin typeface="Calibri" pitchFamily="34" charset="0"/>
+              </a:rPr>
               <a:t>null, </a:t>
             </a:r>
             <a:r>
-              <a:rPr lang="uk-UA" dirty="0" smtClean="0"/>
+              <a:rPr lang="uk-UA" i="1" dirty="0" smtClean="0">
+                <a:latin typeface="Calibri" pitchFamily="34" charset="0"/>
+              </a:rPr>
               <a:t>он не </a:t>
             </a:r>
             <a:r>
-              <a:rPr lang="uk-UA" dirty="0" err="1" smtClean="0"/>
+              <a:rPr lang="uk-UA" i="1" dirty="0" err="1" smtClean="0">
+                <a:latin typeface="Calibri" pitchFamily="34" charset="0"/>
+              </a:rPr>
               <a:t>используется</a:t>
             </a:r>
             <a:r>
-              <a:rPr lang="uk-UA" dirty="0" smtClean="0"/>
+              <a:rPr lang="uk-UA" i="1" dirty="0" smtClean="0">
+                <a:latin typeface="Calibri" pitchFamily="34" charset="0"/>
+              </a:rPr>
               <a:t> </a:t>
             </a:r>
-            <a:endParaRPr lang="en-US" dirty="0" smtClean="0"/>
-          </a:p>
-          <a:p>
-            <a:r>
-              <a:rPr lang="en-US" dirty="0" smtClean="0"/>
+            <a:endParaRPr lang="en-US" i="1" dirty="0" smtClean="0">
+              <a:latin typeface="Calibri" pitchFamily="34" charset="0"/>
+            </a:endParaRPr>
+          </a:p>
+          <a:p>
+            <a:r>
+              <a:rPr lang="en-US" dirty="0" smtClean="0">
+                <a:latin typeface="Calibri" pitchFamily="34" charset="0"/>
+              </a:rPr>
               <a:t>alert( triple(3) ); // = </a:t>
             </a:r>
             <a:r>
-              <a:rPr lang="en-US" dirty="0" err="1" smtClean="0"/>
+              <a:rPr lang="en-US" dirty="0" err="1" smtClean="0">
+                <a:latin typeface="Calibri" pitchFamily="34" charset="0"/>
+              </a:rPr>
               <a:t>mul</a:t>
             </a:r>
             <a:r>
-              <a:rPr lang="en-US" dirty="0" smtClean="0"/>
+              <a:rPr lang="en-US" dirty="0" smtClean="0">
+                <a:latin typeface="Calibri" pitchFamily="34" charset="0"/>
+              </a:rPr>
               <a:t>(3, 3) = 9 </a:t>
             </a:r>
           </a:p>
           <a:p>
             <a:r>
-              <a:rPr lang="en-US" dirty="0" smtClean="0"/>
+              <a:rPr lang="en-US" dirty="0" smtClean="0">
+                <a:latin typeface="Calibri" pitchFamily="34" charset="0"/>
+              </a:rPr>
               <a:t>alert( triple(4) ); // = </a:t>
             </a:r>
             <a:r>
-              <a:rPr lang="en-US" dirty="0" err="1" smtClean="0"/>
+              <a:rPr lang="en-US" dirty="0" err="1" smtClean="0">
+                <a:latin typeface="Calibri" pitchFamily="34" charset="0"/>
+              </a:rPr>
               <a:t>mul</a:t>
             </a:r>
             <a:r>
-              <a:rPr lang="en-US" dirty="0" smtClean="0"/>
+              <a:rPr lang="en-US" dirty="0" smtClean="0">
+                <a:latin typeface="Calibri" pitchFamily="34" charset="0"/>
+              </a:rPr>
               <a:t>(3, 4) = 12 </a:t>
             </a:r>
           </a:p>
           <a:p>
             <a:r>
-              <a:rPr lang="en-US" dirty="0" smtClean="0"/>
+              <a:rPr lang="en-US" dirty="0" smtClean="0">
+                <a:latin typeface="Calibri" pitchFamily="34" charset="0"/>
+              </a:rPr>
               <a:t>alert( triple(5) ); // = </a:t>
             </a:r>
             <a:r>
-              <a:rPr lang="en-US" dirty="0" err="1" smtClean="0"/>
+              <a:rPr lang="en-US" dirty="0" err="1" smtClean="0">
+                <a:latin typeface="Calibri" pitchFamily="34" charset="0"/>
+              </a:rPr>
               <a:t>mul</a:t>
             </a:r>
             <a:r>
-              <a:rPr lang="en-US" dirty="0" smtClean="0"/>
+              <a:rPr lang="en-US" dirty="0" smtClean="0">
+                <a:latin typeface="Calibri" pitchFamily="34" charset="0"/>
+              </a:rPr>
               <a:t>(3, 5) = 15 </a:t>
             </a:r>
           </a:p>
@@ -3826,7 +4214,7 @@
     </p:spTree>
     <p:extLst>
       <p:ext uri="{BB962C8B-B14F-4D97-AF65-F5344CB8AC3E}">
-        <p14:creationId xmlns="" xmlns:p14="http://schemas.microsoft.com/office/powerpoint/2010/main" val="9290874"/>
+        <p14:creationId xmlns:p14="http://schemas.microsoft.com/office/powerpoint/2010/main" xmlns="" val="9290874"/>
       </p:ext>
     </p:extLst>
   </p:cSld>
@@ -3882,10 +4270,14 @@
           <a:lstStyle/>
           <a:p>
             <a:r>
-              <a:rPr lang="ru-RU" b="1" dirty="0" smtClean="0"/>
-              <a:t>Декораторы, функции-обертки</a:t>
-            </a:r>
-            <a:endParaRPr lang="en-US" b="1" dirty="0"/>
+              <a:rPr lang="ru-RU" dirty="0" smtClean="0">
+                <a:latin typeface="Calibri" pitchFamily="34" charset="0"/>
+              </a:rPr>
+              <a:t>Декораторы</a:t>
+            </a:r>
+            <a:endParaRPr lang="en-US" dirty="0">
+              <a:latin typeface="Calibri" pitchFamily="34" charset="0"/>
+            </a:endParaRPr>
           </a:p>
         </p:txBody>
       </p:sp>
@@ -3898,7 +4290,7 @@
         <p:spPr>
           <a:xfrm>
             <a:off x="467544" y="1484784"/>
-            <a:ext cx="8064896" cy="4739759"/>
+            <a:ext cx="8064896" cy="4524315"/>
           </a:xfrm>
           <a:prstGeom prst="rect">
             <a:avLst/>
@@ -3913,67 +4305,99 @@
           <a:p>
             <a:pPr algn="just"/>
             <a:r>
-              <a:rPr lang="ru-RU" sz="2000" b="1" dirty="0" smtClean="0"/>
+              <a:rPr lang="ru-RU" b="1" dirty="0" smtClean="0">
+                <a:latin typeface="Calibri" pitchFamily="34" charset="0"/>
+              </a:rPr>
               <a:t>Декоратор </a:t>
             </a:r>
             <a:r>
-              <a:rPr lang="ru-RU" sz="2000" dirty="0" smtClean="0"/>
+              <a:rPr lang="ru-RU" dirty="0" smtClean="0">
+                <a:latin typeface="Calibri" pitchFamily="34" charset="0"/>
+              </a:rPr>
               <a:t>– приём программирования, который позволяет взять существующую функцию и изменить/расширить ее поведение.</a:t>
             </a:r>
           </a:p>
           <a:p>
             <a:pPr algn="just"/>
             <a:r>
-              <a:rPr lang="ru-RU" sz="2000" dirty="0" smtClean="0"/>
+              <a:rPr lang="ru-RU" dirty="0" smtClean="0">
+                <a:latin typeface="Calibri" pitchFamily="34" charset="0"/>
+              </a:rPr>
               <a:t> </a:t>
             </a:r>
           </a:p>
           <a:p>
             <a:pPr algn="just"/>
             <a:r>
-              <a:rPr lang="ru-RU" sz="2000" dirty="0" smtClean="0"/>
+              <a:rPr lang="ru-RU" dirty="0" smtClean="0">
+                <a:latin typeface="Calibri" pitchFamily="34" charset="0"/>
+              </a:rPr>
               <a:t>Декоратор получает функцию и возвращает обертку, которая делает что-то своё «вокруг» вызова основной функции. </a:t>
             </a:r>
           </a:p>
           <a:p>
-            <a:endParaRPr lang="ru-RU" sz="2000" dirty="0" smtClean="0"/>
-          </a:p>
-          <a:p>
-            <a:r>
-              <a:rPr lang="ru-RU" sz="2000" dirty="0" smtClean="0"/>
+            <a:endParaRPr lang="ru-RU" dirty="0" smtClean="0">
+              <a:latin typeface="Calibri" pitchFamily="34" charset="0"/>
+            </a:endParaRPr>
+          </a:p>
+          <a:p>
+            <a:r>
+              <a:rPr lang="ru-RU" dirty="0" smtClean="0">
+                <a:latin typeface="Calibri" pitchFamily="34" charset="0"/>
+              </a:rPr>
               <a:t>Например</a:t>
             </a:r>
             <a:r>
-              <a:rPr lang="en-US" sz="2000" dirty="0" smtClean="0"/>
+              <a:rPr lang="en-US" dirty="0" smtClean="0">
+                <a:latin typeface="Calibri" pitchFamily="34" charset="0"/>
+              </a:rPr>
               <a:t>: </a:t>
             </a:r>
           </a:p>
           <a:p>
-            <a:endParaRPr lang="ru-RU" dirty="0" smtClean="0"/>
-          </a:p>
-          <a:p>
-            <a:endParaRPr lang="ru-RU" dirty="0" smtClean="0"/>
-          </a:p>
-          <a:p>
-            <a:endParaRPr lang="ru-RU" dirty="0" smtClean="0"/>
-          </a:p>
-          <a:p>
-            <a:endParaRPr lang="ru-RU" dirty="0" smtClean="0"/>
-          </a:p>
-          <a:p>
-            <a:endParaRPr lang="ru-RU" dirty="0" smtClean="0"/>
-          </a:p>
-          <a:p>
-            <a:endParaRPr lang="en-US" dirty="0" smtClean="0"/>
-          </a:p>
-          <a:p>
-            <a:endParaRPr lang="en-US" dirty="0" smtClean="0"/>
-          </a:p>
-          <a:p>
-            <a:endParaRPr lang="ru-RU" dirty="0" smtClean="0"/>
-          </a:p>
-          <a:p>
-            <a:endParaRPr lang="en-US" dirty="0"/>
+            <a:endParaRPr lang="ru-RU" dirty="0" smtClean="0">
+              <a:latin typeface="Calibri" pitchFamily="34" charset="0"/>
+            </a:endParaRPr>
+          </a:p>
+          <a:p>
+            <a:endParaRPr lang="ru-RU" dirty="0" smtClean="0">
+              <a:latin typeface="Calibri" pitchFamily="34" charset="0"/>
+            </a:endParaRPr>
+          </a:p>
+          <a:p>
+            <a:endParaRPr lang="ru-RU" dirty="0" smtClean="0">
+              <a:latin typeface="Calibri" pitchFamily="34" charset="0"/>
+            </a:endParaRPr>
+          </a:p>
+          <a:p>
+            <a:endParaRPr lang="ru-RU" dirty="0" smtClean="0">
+              <a:latin typeface="Calibri" pitchFamily="34" charset="0"/>
+            </a:endParaRPr>
+          </a:p>
+          <a:p>
+            <a:endParaRPr lang="ru-RU" dirty="0" smtClean="0">
+              <a:latin typeface="Calibri" pitchFamily="34" charset="0"/>
+            </a:endParaRPr>
+          </a:p>
+          <a:p>
+            <a:endParaRPr lang="en-US" dirty="0" smtClean="0">
+              <a:latin typeface="Calibri" pitchFamily="34" charset="0"/>
+            </a:endParaRPr>
+          </a:p>
+          <a:p>
+            <a:endParaRPr lang="en-US" dirty="0" smtClean="0">
+              <a:latin typeface="Calibri" pitchFamily="34" charset="0"/>
+            </a:endParaRPr>
+          </a:p>
+          <a:p>
+            <a:endParaRPr lang="ru-RU" dirty="0" smtClean="0">
+              <a:latin typeface="Calibri" pitchFamily="34" charset="0"/>
+            </a:endParaRPr>
+          </a:p>
+          <a:p>
+            <a:endParaRPr lang="en-US" dirty="0">
+              <a:latin typeface="Calibri" pitchFamily="34" charset="0"/>
+            </a:endParaRPr>
           </a:p>
         </p:txBody>
       </p:sp>
@@ -4013,47 +4437,65 @@
           <a:lstStyle/>
           <a:p>
             <a:r>
-              <a:rPr lang="en-US" dirty="0" smtClean="0"/>
+              <a:rPr lang="en-US" dirty="0" smtClean="0">
+                <a:latin typeface="Calibri" pitchFamily="34" charset="0"/>
+              </a:rPr>
               <a:t>function bind(</a:t>
             </a:r>
             <a:r>
-              <a:rPr lang="en-US" dirty="0" err="1" smtClean="0"/>
+              <a:rPr lang="en-US" dirty="0" err="1" smtClean="0">
+                <a:latin typeface="Calibri" pitchFamily="34" charset="0"/>
+              </a:rPr>
               <a:t>func</a:t>
             </a:r>
             <a:r>
-              <a:rPr lang="en-US" dirty="0" smtClean="0"/>
+              <a:rPr lang="en-US" dirty="0" smtClean="0">
+                <a:latin typeface="Calibri" pitchFamily="34" charset="0"/>
+              </a:rPr>
               <a:t>, context) {</a:t>
             </a:r>
           </a:p>
           <a:p>
             <a:r>
-              <a:rPr lang="en-US" dirty="0" smtClean="0"/>
+              <a:rPr lang="en-US" dirty="0" smtClean="0">
+                <a:latin typeface="Calibri" pitchFamily="34" charset="0"/>
+              </a:rPr>
               <a:t> return function() { </a:t>
             </a:r>
           </a:p>
           <a:p>
             <a:r>
-              <a:rPr lang="en-US" dirty="0" smtClean="0"/>
+              <a:rPr lang="en-US" dirty="0" smtClean="0">
+                <a:latin typeface="Calibri" pitchFamily="34" charset="0"/>
+              </a:rPr>
               <a:t>	return </a:t>
             </a:r>
             <a:r>
-              <a:rPr lang="en-US" dirty="0" err="1" smtClean="0"/>
+              <a:rPr lang="en-US" dirty="0" err="1" smtClean="0">
+                <a:latin typeface="Calibri" pitchFamily="34" charset="0"/>
+              </a:rPr>
               <a:t>func.apply</a:t>
             </a:r>
             <a:r>
-              <a:rPr lang="en-US" dirty="0" smtClean="0"/>
+              <a:rPr lang="en-US" dirty="0" smtClean="0">
+                <a:latin typeface="Calibri" pitchFamily="34" charset="0"/>
+              </a:rPr>
               <a:t>(context, arguments); </a:t>
             </a:r>
           </a:p>
           <a:p>
             <a:r>
-              <a:rPr lang="en-US" dirty="0" smtClean="0"/>
+              <a:rPr lang="en-US" dirty="0" smtClean="0">
+                <a:latin typeface="Calibri" pitchFamily="34" charset="0"/>
+              </a:rPr>
               <a:t>           }; </a:t>
             </a:r>
           </a:p>
           <a:p>
             <a:r>
-              <a:rPr lang="en-US" dirty="0" smtClean="0"/>
+              <a:rPr lang="en-US" dirty="0" smtClean="0">
+                <a:latin typeface="Calibri" pitchFamily="34" charset="0"/>
+              </a:rPr>
               <a:t>} </a:t>
             </a:r>
           </a:p>
@@ -4062,7 +4504,7 @@
     </p:spTree>
     <p:extLst>
       <p:ext uri="{BB962C8B-B14F-4D97-AF65-F5344CB8AC3E}">
-        <p14:creationId xmlns="" xmlns:p14="http://schemas.microsoft.com/office/powerpoint/2010/main" val="9290874"/>
+        <p14:creationId xmlns:p14="http://schemas.microsoft.com/office/powerpoint/2010/main" xmlns="" val="9290874"/>
       </p:ext>
     </p:extLst>
   </p:cSld>
